--- a/ppt 16-9/0555.来真心懊悔.pptx
+++ b/ppt 16-9/0555.来真心懊悔.pptx
@@ -129,7 +129,7 @@
           <p:cNvPr id="2" name="标题 1">
             <a:extLst>
               <a:ext uri="{FF2B5EF4-FFF2-40B4-BE49-F238E27FC236}">
-                <a16:creationId xmlns:a16="http://schemas.microsoft.com/office/drawing/2014/main" id="{7007D8D2-36B8-C974-D0AD-4476CE267257}"/>
+                <a16:creationId xmlns:a16="http://schemas.microsoft.com/office/drawing/2014/main" id="{7CD21CC7-5230-940D-755A-BC19B5844D30}"/>
               </a:ext>
             </a:extLst>
           </p:cNvPr>
@@ -166,7 +166,7 @@
           <p:cNvPr id="3" name="副标题 2">
             <a:extLst>
               <a:ext uri="{FF2B5EF4-FFF2-40B4-BE49-F238E27FC236}">
-                <a16:creationId xmlns:a16="http://schemas.microsoft.com/office/drawing/2014/main" id="{01C7C4C7-6A40-5977-7DC2-EC8DE0D7C0FE}"/>
+                <a16:creationId xmlns:a16="http://schemas.microsoft.com/office/drawing/2014/main" id="{574745D9-558D-9206-309D-212D550A83DC}"/>
               </a:ext>
             </a:extLst>
           </p:cNvPr>
@@ -236,7 +236,7 @@
           <p:cNvPr id="4" name="日期占位符 3">
             <a:extLst>
               <a:ext uri="{FF2B5EF4-FFF2-40B4-BE49-F238E27FC236}">
-                <a16:creationId xmlns:a16="http://schemas.microsoft.com/office/drawing/2014/main" id="{55A41B01-300F-C57E-551D-31C7A51BEAAA}"/>
+                <a16:creationId xmlns:a16="http://schemas.microsoft.com/office/drawing/2014/main" id="{FE20212B-8F6C-B1DF-CB10-0EFE7FA19186}"/>
               </a:ext>
             </a:extLst>
           </p:cNvPr>
@@ -252,7 +252,7 @@
           <a:bodyPr/>
           <a:lstStyle/>
           <a:p>
-            <a:fld id="{DDD390ED-550A-4CE3-BFCE-A5AD31FFE87D}" type="datetimeFigureOut">
+            <a:fld id="{93B212FD-4D66-4EBB-B703-31D735BC4371}" type="datetimeFigureOut">
               <a:rPr lang="zh-CN" altLang="en-US" smtClean="0"/>
               <a:t>2024/3/10</a:t>
             </a:fld>
@@ -265,7 +265,7 @@
           <p:cNvPr id="5" name="页脚占位符 4">
             <a:extLst>
               <a:ext uri="{FF2B5EF4-FFF2-40B4-BE49-F238E27FC236}">
-                <a16:creationId xmlns:a16="http://schemas.microsoft.com/office/drawing/2014/main" id="{D05C9B19-B1E2-FF3A-47D3-6419C1194045}"/>
+                <a16:creationId xmlns:a16="http://schemas.microsoft.com/office/drawing/2014/main" id="{18602672-2BA0-BE77-8814-41633AAC0A11}"/>
               </a:ext>
             </a:extLst>
           </p:cNvPr>
@@ -290,7 +290,7 @@
           <p:cNvPr id="6" name="灯片编号占位符 5">
             <a:extLst>
               <a:ext uri="{FF2B5EF4-FFF2-40B4-BE49-F238E27FC236}">
-                <a16:creationId xmlns:a16="http://schemas.microsoft.com/office/drawing/2014/main" id="{CC688862-D74E-7EBC-12B9-4F486C0C316C}"/>
+                <a16:creationId xmlns:a16="http://schemas.microsoft.com/office/drawing/2014/main" id="{44449E74-57D5-30AE-996C-5859873CB797}"/>
               </a:ext>
             </a:extLst>
           </p:cNvPr>
@@ -306,7 +306,7 @@
           <a:bodyPr/>
           <a:lstStyle/>
           <a:p>
-            <a:fld id="{DDAEB6FC-C0B4-4584-B681-D3D5A2B441BF}" type="slidenum">
+            <a:fld id="{D92E46ED-9765-4926-81CB-B3F52596FB3A}" type="slidenum">
               <a:rPr lang="zh-CN" altLang="en-US" smtClean="0"/>
               <a:t>‹#›</a:t>
             </a:fld>
@@ -317,7 +317,7 @@
     </p:spTree>
     <p:extLst>
       <p:ext uri="{BB962C8B-B14F-4D97-AF65-F5344CB8AC3E}">
-        <p14:creationId xmlns:p14="http://schemas.microsoft.com/office/powerpoint/2010/main" val="2124540428"/>
+        <p14:creationId xmlns:p14="http://schemas.microsoft.com/office/powerpoint/2010/main" val="2229401485"/>
       </p:ext>
     </p:extLst>
   </p:cSld>
@@ -349,7 +349,7 @@
           <p:cNvPr id="2" name="标题 1">
             <a:extLst>
               <a:ext uri="{FF2B5EF4-FFF2-40B4-BE49-F238E27FC236}">
-                <a16:creationId xmlns:a16="http://schemas.microsoft.com/office/drawing/2014/main" id="{1062BF83-8B7A-2F92-654D-6B5D9A0B023A}"/>
+                <a16:creationId xmlns:a16="http://schemas.microsoft.com/office/drawing/2014/main" id="{2717403C-29D8-2F1D-839F-8D26BFA8997F}"/>
               </a:ext>
             </a:extLst>
           </p:cNvPr>
@@ -377,7 +377,7 @@
           <p:cNvPr id="3" name="竖排文字占位符 2">
             <a:extLst>
               <a:ext uri="{FF2B5EF4-FFF2-40B4-BE49-F238E27FC236}">
-                <a16:creationId xmlns:a16="http://schemas.microsoft.com/office/drawing/2014/main" id="{D4BD393A-49D7-204C-9101-ADFFC43C7950}"/>
+                <a16:creationId xmlns:a16="http://schemas.microsoft.com/office/drawing/2014/main" id="{D2B19133-5DCD-8257-0CDC-93A21A83B932}"/>
               </a:ext>
             </a:extLst>
           </p:cNvPr>
@@ -434,7 +434,7 @@
           <p:cNvPr id="4" name="日期占位符 3">
             <a:extLst>
               <a:ext uri="{FF2B5EF4-FFF2-40B4-BE49-F238E27FC236}">
-                <a16:creationId xmlns:a16="http://schemas.microsoft.com/office/drawing/2014/main" id="{1486596B-AA7C-3082-1A5E-9534A49EDECD}"/>
+                <a16:creationId xmlns:a16="http://schemas.microsoft.com/office/drawing/2014/main" id="{3BE7777B-417C-6786-A4FD-247B2C778292}"/>
               </a:ext>
             </a:extLst>
           </p:cNvPr>
@@ -450,7 +450,7 @@
           <a:bodyPr/>
           <a:lstStyle/>
           <a:p>
-            <a:fld id="{DDD390ED-550A-4CE3-BFCE-A5AD31FFE87D}" type="datetimeFigureOut">
+            <a:fld id="{93B212FD-4D66-4EBB-B703-31D735BC4371}" type="datetimeFigureOut">
               <a:rPr lang="zh-CN" altLang="en-US" smtClean="0"/>
               <a:t>2024/3/10</a:t>
             </a:fld>
@@ -463,7 +463,7 @@
           <p:cNvPr id="5" name="页脚占位符 4">
             <a:extLst>
               <a:ext uri="{FF2B5EF4-FFF2-40B4-BE49-F238E27FC236}">
-                <a16:creationId xmlns:a16="http://schemas.microsoft.com/office/drawing/2014/main" id="{154AE6C5-B236-98E6-5C06-C4E7C62E0467}"/>
+                <a16:creationId xmlns:a16="http://schemas.microsoft.com/office/drawing/2014/main" id="{B1ECF3E7-2D4F-A1B5-D9AF-77DA0172FBF8}"/>
               </a:ext>
             </a:extLst>
           </p:cNvPr>
@@ -488,7 +488,7 @@
           <p:cNvPr id="6" name="灯片编号占位符 5">
             <a:extLst>
               <a:ext uri="{FF2B5EF4-FFF2-40B4-BE49-F238E27FC236}">
-                <a16:creationId xmlns:a16="http://schemas.microsoft.com/office/drawing/2014/main" id="{8A12345E-DE95-4D6E-8A62-B2A8025206F9}"/>
+                <a16:creationId xmlns:a16="http://schemas.microsoft.com/office/drawing/2014/main" id="{683BE523-AE14-B66B-95D0-6914EE3A7AD7}"/>
               </a:ext>
             </a:extLst>
           </p:cNvPr>
@@ -504,7 +504,7 @@
           <a:bodyPr/>
           <a:lstStyle/>
           <a:p>
-            <a:fld id="{DDAEB6FC-C0B4-4584-B681-D3D5A2B441BF}" type="slidenum">
+            <a:fld id="{D92E46ED-9765-4926-81CB-B3F52596FB3A}" type="slidenum">
               <a:rPr lang="zh-CN" altLang="en-US" smtClean="0"/>
               <a:t>‹#›</a:t>
             </a:fld>
@@ -515,7 +515,7 @@
     </p:spTree>
     <p:extLst>
       <p:ext uri="{BB962C8B-B14F-4D97-AF65-F5344CB8AC3E}">
-        <p14:creationId xmlns:p14="http://schemas.microsoft.com/office/powerpoint/2010/main" val="1203654906"/>
+        <p14:creationId xmlns:p14="http://schemas.microsoft.com/office/powerpoint/2010/main" val="3016314181"/>
       </p:ext>
     </p:extLst>
   </p:cSld>
@@ -547,7 +547,7 @@
           <p:cNvPr id="2" name="竖排标题 1">
             <a:extLst>
               <a:ext uri="{FF2B5EF4-FFF2-40B4-BE49-F238E27FC236}">
-                <a16:creationId xmlns:a16="http://schemas.microsoft.com/office/drawing/2014/main" id="{DA3084AD-8D3B-E411-14B4-030855C783F4}"/>
+                <a16:creationId xmlns:a16="http://schemas.microsoft.com/office/drawing/2014/main" id="{43F4C65D-AA72-A81B-1FF0-69A87B6C65C9}"/>
               </a:ext>
             </a:extLst>
           </p:cNvPr>
@@ -580,7 +580,7 @@
           <p:cNvPr id="3" name="竖排文字占位符 2">
             <a:extLst>
               <a:ext uri="{FF2B5EF4-FFF2-40B4-BE49-F238E27FC236}">
-                <a16:creationId xmlns:a16="http://schemas.microsoft.com/office/drawing/2014/main" id="{3F41EE17-A3B2-BE1F-A1C4-7F5B25CC2A26}"/>
+                <a16:creationId xmlns:a16="http://schemas.microsoft.com/office/drawing/2014/main" id="{5320F6DF-7DAA-A459-25DE-6F9F173C1496}"/>
               </a:ext>
             </a:extLst>
           </p:cNvPr>
@@ -642,7 +642,7 @@
           <p:cNvPr id="4" name="日期占位符 3">
             <a:extLst>
               <a:ext uri="{FF2B5EF4-FFF2-40B4-BE49-F238E27FC236}">
-                <a16:creationId xmlns:a16="http://schemas.microsoft.com/office/drawing/2014/main" id="{BD0BEC6D-5AA7-27F0-3DBB-6022E12F2B6E}"/>
+                <a16:creationId xmlns:a16="http://schemas.microsoft.com/office/drawing/2014/main" id="{BB66A38D-0DD8-A71C-018A-B5335071C957}"/>
               </a:ext>
             </a:extLst>
           </p:cNvPr>
@@ -658,7 +658,7 @@
           <a:bodyPr/>
           <a:lstStyle/>
           <a:p>
-            <a:fld id="{DDD390ED-550A-4CE3-BFCE-A5AD31FFE87D}" type="datetimeFigureOut">
+            <a:fld id="{93B212FD-4D66-4EBB-B703-31D735BC4371}" type="datetimeFigureOut">
               <a:rPr lang="zh-CN" altLang="en-US" smtClean="0"/>
               <a:t>2024/3/10</a:t>
             </a:fld>
@@ -671,7 +671,7 @@
           <p:cNvPr id="5" name="页脚占位符 4">
             <a:extLst>
               <a:ext uri="{FF2B5EF4-FFF2-40B4-BE49-F238E27FC236}">
-                <a16:creationId xmlns:a16="http://schemas.microsoft.com/office/drawing/2014/main" id="{CEFB19C3-9801-3DFB-F30D-A621117C5EC1}"/>
+                <a16:creationId xmlns:a16="http://schemas.microsoft.com/office/drawing/2014/main" id="{10C01D02-297D-E747-4549-792A8ACF48F4}"/>
               </a:ext>
             </a:extLst>
           </p:cNvPr>
@@ -696,7 +696,7 @@
           <p:cNvPr id="6" name="灯片编号占位符 5">
             <a:extLst>
               <a:ext uri="{FF2B5EF4-FFF2-40B4-BE49-F238E27FC236}">
-                <a16:creationId xmlns:a16="http://schemas.microsoft.com/office/drawing/2014/main" id="{3221ECE5-9A93-AD32-7DB0-24AC99CF7856}"/>
+                <a16:creationId xmlns:a16="http://schemas.microsoft.com/office/drawing/2014/main" id="{896F8E7D-F867-245E-7352-793E4C5497C0}"/>
               </a:ext>
             </a:extLst>
           </p:cNvPr>
@@ -712,7 +712,7 @@
           <a:bodyPr/>
           <a:lstStyle/>
           <a:p>
-            <a:fld id="{DDAEB6FC-C0B4-4584-B681-D3D5A2B441BF}" type="slidenum">
+            <a:fld id="{D92E46ED-9765-4926-81CB-B3F52596FB3A}" type="slidenum">
               <a:rPr lang="zh-CN" altLang="en-US" smtClean="0"/>
               <a:t>‹#›</a:t>
             </a:fld>
@@ -723,7 +723,7 @@
     </p:spTree>
     <p:extLst>
       <p:ext uri="{BB962C8B-B14F-4D97-AF65-F5344CB8AC3E}">
-        <p14:creationId xmlns:p14="http://schemas.microsoft.com/office/powerpoint/2010/main" val="4114697126"/>
+        <p14:creationId xmlns:p14="http://schemas.microsoft.com/office/powerpoint/2010/main" val="1499866357"/>
       </p:ext>
     </p:extLst>
   </p:cSld>
@@ -755,7 +755,7 @@
           <p:cNvPr id="2" name="标题 1">
             <a:extLst>
               <a:ext uri="{FF2B5EF4-FFF2-40B4-BE49-F238E27FC236}">
-                <a16:creationId xmlns:a16="http://schemas.microsoft.com/office/drawing/2014/main" id="{316AAFB0-E2F5-0D00-B1A8-FDC7EE4E9151}"/>
+                <a16:creationId xmlns:a16="http://schemas.microsoft.com/office/drawing/2014/main" id="{919E8519-2DA7-AB43-00A0-38DFDC46EB83}"/>
               </a:ext>
             </a:extLst>
           </p:cNvPr>
@@ -783,7 +783,7 @@
           <p:cNvPr id="3" name="内容占位符 2">
             <a:extLst>
               <a:ext uri="{FF2B5EF4-FFF2-40B4-BE49-F238E27FC236}">
-                <a16:creationId xmlns:a16="http://schemas.microsoft.com/office/drawing/2014/main" id="{5419D942-927C-53C4-23BA-965E4510DAB6}"/>
+                <a16:creationId xmlns:a16="http://schemas.microsoft.com/office/drawing/2014/main" id="{6E0F3003-DF0A-189E-2CC7-074C0B0E1338}"/>
               </a:ext>
             </a:extLst>
           </p:cNvPr>
@@ -840,7 +840,7 @@
           <p:cNvPr id="4" name="日期占位符 3">
             <a:extLst>
               <a:ext uri="{FF2B5EF4-FFF2-40B4-BE49-F238E27FC236}">
-                <a16:creationId xmlns:a16="http://schemas.microsoft.com/office/drawing/2014/main" id="{82D34198-F9FC-AFE6-4828-62AA484D26D0}"/>
+                <a16:creationId xmlns:a16="http://schemas.microsoft.com/office/drawing/2014/main" id="{B8A1A374-260B-F4E4-473D-3B6FBCF6324F}"/>
               </a:ext>
             </a:extLst>
           </p:cNvPr>
@@ -856,7 +856,7 @@
           <a:bodyPr/>
           <a:lstStyle/>
           <a:p>
-            <a:fld id="{DDD390ED-550A-4CE3-BFCE-A5AD31FFE87D}" type="datetimeFigureOut">
+            <a:fld id="{93B212FD-4D66-4EBB-B703-31D735BC4371}" type="datetimeFigureOut">
               <a:rPr lang="zh-CN" altLang="en-US" smtClean="0"/>
               <a:t>2024/3/10</a:t>
             </a:fld>
@@ -869,7 +869,7 @@
           <p:cNvPr id="5" name="页脚占位符 4">
             <a:extLst>
               <a:ext uri="{FF2B5EF4-FFF2-40B4-BE49-F238E27FC236}">
-                <a16:creationId xmlns:a16="http://schemas.microsoft.com/office/drawing/2014/main" id="{9543068D-A358-DD79-72F9-64FEC174247F}"/>
+                <a16:creationId xmlns:a16="http://schemas.microsoft.com/office/drawing/2014/main" id="{2E5AC3D1-3E07-CF82-B10D-9D3E13C46B27}"/>
               </a:ext>
             </a:extLst>
           </p:cNvPr>
@@ -894,7 +894,7 @@
           <p:cNvPr id="6" name="灯片编号占位符 5">
             <a:extLst>
               <a:ext uri="{FF2B5EF4-FFF2-40B4-BE49-F238E27FC236}">
-                <a16:creationId xmlns:a16="http://schemas.microsoft.com/office/drawing/2014/main" id="{B2FDECF9-E1C9-0A21-C492-BE4083DD9EC5}"/>
+                <a16:creationId xmlns:a16="http://schemas.microsoft.com/office/drawing/2014/main" id="{1CC52F3F-23F8-1A99-0328-5858633CFFC4}"/>
               </a:ext>
             </a:extLst>
           </p:cNvPr>
@@ -910,7 +910,7 @@
           <a:bodyPr/>
           <a:lstStyle/>
           <a:p>
-            <a:fld id="{DDAEB6FC-C0B4-4584-B681-D3D5A2B441BF}" type="slidenum">
+            <a:fld id="{D92E46ED-9765-4926-81CB-B3F52596FB3A}" type="slidenum">
               <a:rPr lang="zh-CN" altLang="en-US" smtClean="0"/>
               <a:t>‹#›</a:t>
             </a:fld>
@@ -921,7 +921,7 @@
     </p:spTree>
     <p:extLst>
       <p:ext uri="{BB962C8B-B14F-4D97-AF65-F5344CB8AC3E}">
-        <p14:creationId xmlns:p14="http://schemas.microsoft.com/office/powerpoint/2010/main" val="707582905"/>
+        <p14:creationId xmlns:p14="http://schemas.microsoft.com/office/powerpoint/2010/main" val="2399953813"/>
       </p:ext>
     </p:extLst>
   </p:cSld>
@@ -953,7 +953,7 @@
           <p:cNvPr id="2" name="标题 1">
             <a:extLst>
               <a:ext uri="{FF2B5EF4-FFF2-40B4-BE49-F238E27FC236}">
-                <a16:creationId xmlns:a16="http://schemas.microsoft.com/office/drawing/2014/main" id="{510C20F0-0465-1536-C7FB-F4EF7D527514}"/>
+                <a16:creationId xmlns:a16="http://schemas.microsoft.com/office/drawing/2014/main" id="{BE9A3F7C-5500-7C2D-0EA8-3F24477D29CA}"/>
               </a:ext>
             </a:extLst>
           </p:cNvPr>
@@ -990,7 +990,7 @@
           <p:cNvPr id="3" name="文本占位符 2">
             <a:extLst>
               <a:ext uri="{FF2B5EF4-FFF2-40B4-BE49-F238E27FC236}">
-                <a16:creationId xmlns:a16="http://schemas.microsoft.com/office/drawing/2014/main" id="{915B1C1D-E401-C54A-9217-1A0269D64753}"/>
+                <a16:creationId xmlns:a16="http://schemas.microsoft.com/office/drawing/2014/main" id="{23B64B86-6EE9-F045-03D6-E09A47D0AD7D}"/>
               </a:ext>
             </a:extLst>
           </p:cNvPr>
@@ -1115,7 +1115,7 @@
           <p:cNvPr id="4" name="日期占位符 3">
             <a:extLst>
               <a:ext uri="{FF2B5EF4-FFF2-40B4-BE49-F238E27FC236}">
-                <a16:creationId xmlns:a16="http://schemas.microsoft.com/office/drawing/2014/main" id="{4ACC25D2-FFD8-D5CA-A23E-AEF568B077E1}"/>
+                <a16:creationId xmlns:a16="http://schemas.microsoft.com/office/drawing/2014/main" id="{63D7BF23-5F7B-42F4-7279-DCA2D8010A2C}"/>
               </a:ext>
             </a:extLst>
           </p:cNvPr>
@@ -1131,7 +1131,7 @@
           <a:bodyPr/>
           <a:lstStyle/>
           <a:p>
-            <a:fld id="{DDD390ED-550A-4CE3-BFCE-A5AD31FFE87D}" type="datetimeFigureOut">
+            <a:fld id="{93B212FD-4D66-4EBB-B703-31D735BC4371}" type="datetimeFigureOut">
               <a:rPr lang="zh-CN" altLang="en-US" smtClean="0"/>
               <a:t>2024/3/10</a:t>
             </a:fld>
@@ -1144,7 +1144,7 @@
           <p:cNvPr id="5" name="页脚占位符 4">
             <a:extLst>
               <a:ext uri="{FF2B5EF4-FFF2-40B4-BE49-F238E27FC236}">
-                <a16:creationId xmlns:a16="http://schemas.microsoft.com/office/drawing/2014/main" id="{06B48815-B8D7-C9B5-977D-6ACED6A0D98D}"/>
+                <a16:creationId xmlns:a16="http://schemas.microsoft.com/office/drawing/2014/main" id="{56F8FB81-6C46-76C2-9CB9-CB2C8D4FD097}"/>
               </a:ext>
             </a:extLst>
           </p:cNvPr>
@@ -1169,7 +1169,7 @@
           <p:cNvPr id="6" name="灯片编号占位符 5">
             <a:extLst>
               <a:ext uri="{FF2B5EF4-FFF2-40B4-BE49-F238E27FC236}">
-                <a16:creationId xmlns:a16="http://schemas.microsoft.com/office/drawing/2014/main" id="{3DF563C8-3EAF-9E94-C9F1-569FDB7DAD2C}"/>
+                <a16:creationId xmlns:a16="http://schemas.microsoft.com/office/drawing/2014/main" id="{7BD5E0AA-C6FD-36A8-D186-901EFC52CC27}"/>
               </a:ext>
             </a:extLst>
           </p:cNvPr>
@@ -1185,7 +1185,7 @@
           <a:bodyPr/>
           <a:lstStyle/>
           <a:p>
-            <a:fld id="{DDAEB6FC-C0B4-4584-B681-D3D5A2B441BF}" type="slidenum">
+            <a:fld id="{D92E46ED-9765-4926-81CB-B3F52596FB3A}" type="slidenum">
               <a:rPr lang="zh-CN" altLang="en-US" smtClean="0"/>
               <a:t>‹#›</a:t>
             </a:fld>
@@ -1196,7 +1196,7 @@
     </p:spTree>
     <p:extLst>
       <p:ext uri="{BB962C8B-B14F-4D97-AF65-F5344CB8AC3E}">
-        <p14:creationId xmlns:p14="http://schemas.microsoft.com/office/powerpoint/2010/main" val="3921715692"/>
+        <p14:creationId xmlns:p14="http://schemas.microsoft.com/office/powerpoint/2010/main" val="1388782874"/>
       </p:ext>
     </p:extLst>
   </p:cSld>
@@ -1228,7 +1228,7 @@
           <p:cNvPr id="2" name="标题 1">
             <a:extLst>
               <a:ext uri="{FF2B5EF4-FFF2-40B4-BE49-F238E27FC236}">
-                <a16:creationId xmlns:a16="http://schemas.microsoft.com/office/drawing/2014/main" id="{EC8DA962-AEDD-7E6E-A263-6C4BC2DFF644}"/>
+                <a16:creationId xmlns:a16="http://schemas.microsoft.com/office/drawing/2014/main" id="{BE35371A-FB8B-0E15-EDC3-0C23EFF18662}"/>
               </a:ext>
             </a:extLst>
           </p:cNvPr>
@@ -1256,7 +1256,7 @@
           <p:cNvPr id="3" name="内容占位符 2">
             <a:extLst>
               <a:ext uri="{FF2B5EF4-FFF2-40B4-BE49-F238E27FC236}">
-                <a16:creationId xmlns:a16="http://schemas.microsoft.com/office/drawing/2014/main" id="{59DD9AF1-584B-3AAA-3AB1-1C3B2C5C1D9E}"/>
+                <a16:creationId xmlns:a16="http://schemas.microsoft.com/office/drawing/2014/main" id="{BD57BE03-02DE-E22D-4DEF-0238458AEE13}"/>
               </a:ext>
             </a:extLst>
           </p:cNvPr>
@@ -1318,7 +1318,7 @@
           <p:cNvPr id="4" name="内容占位符 3">
             <a:extLst>
               <a:ext uri="{FF2B5EF4-FFF2-40B4-BE49-F238E27FC236}">
-                <a16:creationId xmlns:a16="http://schemas.microsoft.com/office/drawing/2014/main" id="{772F8517-2D30-3D35-8314-9AA4A4036883}"/>
+                <a16:creationId xmlns:a16="http://schemas.microsoft.com/office/drawing/2014/main" id="{515DF253-7EAD-87AC-A4A6-82EC604C92C5}"/>
               </a:ext>
             </a:extLst>
           </p:cNvPr>
@@ -1380,7 +1380,7 @@
           <p:cNvPr id="5" name="日期占位符 4">
             <a:extLst>
               <a:ext uri="{FF2B5EF4-FFF2-40B4-BE49-F238E27FC236}">
-                <a16:creationId xmlns:a16="http://schemas.microsoft.com/office/drawing/2014/main" id="{E68A950D-5174-4E71-AEAF-61120077926C}"/>
+                <a16:creationId xmlns:a16="http://schemas.microsoft.com/office/drawing/2014/main" id="{1A0BBB2A-21AB-74A5-EEC9-73D8CAFB70AE}"/>
               </a:ext>
             </a:extLst>
           </p:cNvPr>
@@ -1396,7 +1396,7 @@
           <a:bodyPr/>
           <a:lstStyle/>
           <a:p>
-            <a:fld id="{DDD390ED-550A-4CE3-BFCE-A5AD31FFE87D}" type="datetimeFigureOut">
+            <a:fld id="{93B212FD-4D66-4EBB-B703-31D735BC4371}" type="datetimeFigureOut">
               <a:rPr lang="zh-CN" altLang="en-US" smtClean="0"/>
               <a:t>2024/3/10</a:t>
             </a:fld>
@@ -1409,7 +1409,7 @@
           <p:cNvPr id="6" name="页脚占位符 5">
             <a:extLst>
               <a:ext uri="{FF2B5EF4-FFF2-40B4-BE49-F238E27FC236}">
-                <a16:creationId xmlns:a16="http://schemas.microsoft.com/office/drawing/2014/main" id="{E4F68FDD-C4ED-CA34-65A7-070A6F7EA4F9}"/>
+                <a16:creationId xmlns:a16="http://schemas.microsoft.com/office/drawing/2014/main" id="{7D8566A2-2392-0D77-0E49-241AF4864CB2}"/>
               </a:ext>
             </a:extLst>
           </p:cNvPr>
@@ -1434,7 +1434,7 @@
           <p:cNvPr id="7" name="灯片编号占位符 6">
             <a:extLst>
               <a:ext uri="{FF2B5EF4-FFF2-40B4-BE49-F238E27FC236}">
-                <a16:creationId xmlns:a16="http://schemas.microsoft.com/office/drawing/2014/main" id="{3AFFCBB2-29CF-C189-0F3E-208CC21FC46D}"/>
+                <a16:creationId xmlns:a16="http://schemas.microsoft.com/office/drawing/2014/main" id="{60A4FC9A-66A5-DD31-7C7A-1C333E64DC60}"/>
               </a:ext>
             </a:extLst>
           </p:cNvPr>
@@ -1450,7 +1450,7 @@
           <a:bodyPr/>
           <a:lstStyle/>
           <a:p>
-            <a:fld id="{DDAEB6FC-C0B4-4584-B681-D3D5A2B441BF}" type="slidenum">
+            <a:fld id="{D92E46ED-9765-4926-81CB-B3F52596FB3A}" type="slidenum">
               <a:rPr lang="zh-CN" altLang="en-US" smtClean="0"/>
               <a:t>‹#›</a:t>
             </a:fld>
@@ -1461,7 +1461,7 @@
     </p:spTree>
     <p:extLst>
       <p:ext uri="{BB962C8B-B14F-4D97-AF65-F5344CB8AC3E}">
-        <p14:creationId xmlns:p14="http://schemas.microsoft.com/office/powerpoint/2010/main" val="1912203744"/>
+        <p14:creationId xmlns:p14="http://schemas.microsoft.com/office/powerpoint/2010/main" val="669602677"/>
       </p:ext>
     </p:extLst>
   </p:cSld>
@@ -1493,7 +1493,7 @@
           <p:cNvPr id="2" name="标题 1">
             <a:extLst>
               <a:ext uri="{FF2B5EF4-FFF2-40B4-BE49-F238E27FC236}">
-                <a16:creationId xmlns:a16="http://schemas.microsoft.com/office/drawing/2014/main" id="{B518B7BF-A8A7-0956-5CEC-BB56C0EFF6B5}"/>
+                <a16:creationId xmlns:a16="http://schemas.microsoft.com/office/drawing/2014/main" id="{A81888CB-CC48-385F-7C2A-9AC1F6969F62}"/>
               </a:ext>
             </a:extLst>
           </p:cNvPr>
@@ -1526,7 +1526,7 @@
           <p:cNvPr id="3" name="文本占位符 2">
             <a:extLst>
               <a:ext uri="{FF2B5EF4-FFF2-40B4-BE49-F238E27FC236}">
-                <a16:creationId xmlns:a16="http://schemas.microsoft.com/office/drawing/2014/main" id="{CEE7898D-D617-745D-A8D0-67D5A41CA5B0}"/>
+                <a16:creationId xmlns:a16="http://schemas.microsoft.com/office/drawing/2014/main" id="{461A6791-3375-DE03-1899-6114E5DD8A1E}"/>
               </a:ext>
             </a:extLst>
           </p:cNvPr>
@@ -1597,7 +1597,7 @@
           <p:cNvPr id="4" name="内容占位符 3">
             <a:extLst>
               <a:ext uri="{FF2B5EF4-FFF2-40B4-BE49-F238E27FC236}">
-                <a16:creationId xmlns:a16="http://schemas.microsoft.com/office/drawing/2014/main" id="{B1A6C330-9639-406E-4CCC-E268C428EF93}"/>
+                <a16:creationId xmlns:a16="http://schemas.microsoft.com/office/drawing/2014/main" id="{03808305-8705-84EB-D914-F660F3947C67}"/>
               </a:ext>
             </a:extLst>
           </p:cNvPr>
@@ -1659,7 +1659,7 @@
           <p:cNvPr id="5" name="文本占位符 4">
             <a:extLst>
               <a:ext uri="{FF2B5EF4-FFF2-40B4-BE49-F238E27FC236}">
-                <a16:creationId xmlns:a16="http://schemas.microsoft.com/office/drawing/2014/main" id="{4A811A22-B387-641F-786E-994CEB1A3404}"/>
+                <a16:creationId xmlns:a16="http://schemas.microsoft.com/office/drawing/2014/main" id="{B19E6BD5-F126-7647-1063-A2035AEA5E2C}"/>
               </a:ext>
             </a:extLst>
           </p:cNvPr>
@@ -1730,7 +1730,7 @@
           <p:cNvPr id="6" name="内容占位符 5">
             <a:extLst>
               <a:ext uri="{FF2B5EF4-FFF2-40B4-BE49-F238E27FC236}">
-                <a16:creationId xmlns:a16="http://schemas.microsoft.com/office/drawing/2014/main" id="{7C839358-0742-A89D-E6BE-35F2CC5AE301}"/>
+                <a16:creationId xmlns:a16="http://schemas.microsoft.com/office/drawing/2014/main" id="{4C9E6F07-E7EB-DF13-3C9D-8FD1EEC705C7}"/>
               </a:ext>
             </a:extLst>
           </p:cNvPr>
@@ -1792,7 +1792,7 @@
           <p:cNvPr id="7" name="日期占位符 6">
             <a:extLst>
               <a:ext uri="{FF2B5EF4-FFF2-40B4-BE49-F238E27FC236}">
-                <a16:creationId xmlns:a16="http://schemas.microsoft.com/office/drawing/2014/main" id="{0603928F-888B-5182-2D44-C4349175C5E0}"/>
+                <a16:creationId xmlns:a16="http://schemas.microsoft.com/office/drawing/2014/main" id="{13B5E82C-9C6F-8049-682A-C70489C1C7EA}"/>
               </a:ext>
             </a:extLst>
           </p:cNvPr>
@@ -1808,7 +1808,7 @@
           <a:bodyPr/>
           <a:lstStyle/>
           <a:p>
-            <a:fld id="{DDD390ED-550A-4CE3-BFCE-A5AD31FFE87D}" type="datetimeFigureOut">
+            <a:fld id="{93B212FD-4D66-4EBB-B703-31D735BC4371}" type="datetimeFigureOut">
               <a:rPr lang="zh-CN" altLang="en-US" smtClean="0"/>
               <a:t>2024/3/10</a:t>
             </a:fld>
@@ -1821,7 +1821,7 @@
           <p:cNvPr id="8" name="页脚占位符 7">
             <a:extLst>
               <a:ext uri="{FF2B5EF4-FFF2-40B4-BE49-F238E27FC236}">
-                <a16:creationId xmlns:a16="http://schemas.microsoft.com/office/drawing/2014/main" id="{6DD7412C-555E-5C0A-99DC-A4803D4C0021}"/>
+                <a16:creationId xmlns:a16="http://schemas.microsoft.com/office/drawing/2014/main" id="{887632E0-7A84-52BB-3A7F-4B983035DE12}"/>
               </a:ext>
             </a:extLst>
           </p:cNvPr>
@@ -1846,7 +1846,7 @@
           <p:cNvPr id="9" name="灯片编号占位符 8">
             <a:extLst>
               <a:ext uri="{FF2B5EF4-FFF2-40B4-BE49-F238E27FC236}">
-                <a16:creationId xmlns:a16="http://schemas.microsoft.com/office/drawing/2014/main" id="{35012753-634A-7261-D7BE-4F0CBB7EA413}"/>
+                <a16:creationId xmlns:a16="http://schemas.microsoft.com/office/drawing/2014/main" id="{303410E1-7854-13EE-827E-566332583627}"/>
               </a:ext>
             </a:extLst>
           </p:cNvPr>
@@ -1862,7 +1862,7 @@
           <a:bodyPr/>
           <a:lstStyle/>
           <a:p>
-            <a:fld id="{DDAEB6FC-C0B4-4584-B681-D3D5A2B441BF}" type="slidenum">
+            <a:fld id="{D92E46ED-9765-4926-81CB-B3F52596FB3A}" type="slidenum">
               <a:rPr lang="zh-CN" altLang="en-US" smtClean="0"/>
               <a:t>‹#›</a:t>
             </a:fld>
@@ -1873,7 +1873,7 @@
     </p:spTree>
     <p:extLst>
       <p:ext uri="{BB962C8B-B14F-4D97-AF65-F5344CB8AC3E}">
-        <p14:creationId xmlns:p14="http://schemas.microsoft.com/office/powerpoint/2010/main" val="1789804800"/>
+        <p14:creationId xmlns:p14="http://schemas.microsoft.com/office/powerpoint/2010/main" val="1280710846"/>
       </p:ext>
     </p:extLst>
   </p:cSld>
@@ -1905,7 +1905,7 @@
           <p:cNvPr id="2" name="标题 1">
             <a:extLst>
               <a:ext uri="{FF2B5EF4-FFF2-40B4-BE49-F238E27FC236}">
-                <a16:creationId xmlns:a16="http://schemas.microsoft.com/office/drawing/2014/main" id="{6FBDFC67-28E9-4837-82A4-2B04A4C7EBDE}"/>
+                <a16:creationId xmlns:a16="http://schemas.microsoft.com/office/drawing/2014/main" id="{BCB2D5DB-B9A9-953B-DA85-575BD9391133}"/>
               </a:ext>
             </a:extLst>
           </p:cNvPr>
@@ -1933,7 +1933,7 @@
           <p:cNvPr id="3" name="日期占位符 2">
             <a:extLst>
               <a:ext uri="{FF2B5EF4-FFF2-40B4-BE49-F238E27FC236}">
-                <a16:creationId xmlns:a16="http://schemas.microsoft.com/office/drawing/2014/main" id="{3DD31D7A-B002-0C93-A577-49FFDA268C40}"/>
+                <a16:creationId xmlns:a16="http://schemas.microsoft.com/office/drawing/2014/main" id="{DB89DE5E-77F7-AD40-B201-A12D36AAEF9E}"/>
               </a:ext>
             </a:extLst>
           </p:cNvPr>
@@ -1949,7 +1949,7 @@
           <a:bodyPr/>
           <a:lstStyle/>
           <a:p>
-            <a:fld id="{DDD390ED-550A-4CE3-BFCE-A5AD31FFE87D}" type="datetimeFigureOut">
+            <a:fld id="{93B212FD-4D66-4EBB-B703-31D735BC4371}" type="datetimeFigureOut">
               <a:rPr lang="zh-CN" altLang="en-US" smtClean="0"/>
               <a:t>2024/3/10</a:t>
             </a:fld>
@@ -1962,7 +1962,7 @@
           <p:cNvPr id="4" name="页脚占位符 3">
             <a:extLst>
               <a:ext uri="{FF2B5EF4-FFF2-40B4-BE49-F238E27FC236}">
-                <a16:creationId xmlns:a16="http://schemas.microsoft.com/office/drawing/2014/main" id="{25F2C7DE-B17A-F3B0-C3B3-F3F39B0BD15D}"/>
+                <a16:creationId xmlns:a16="http://schemas.microsoft.com/office/drawing/2014/main" id="{11BF9E26-5E0C-2B86-E0A1-86B05C141C41}"/>
               </a:ext>
             </a:extLst>
           </p:cNvPr>
@@ -1987,7 +1987,7 @@
           <p:cNvPr id="5" name="灯片编号占位符 4">
             <a:extLst>
               <a:ext uri="{FF2B5EF4-FFF2-40B4-BE49-F238E27FC236}">
-                <a16:creationId xmlns:a16="http://schemas.microsoft.com/office/drawing/2014/main" id="{8BC53CD2-861F-C0E9-5A0A-535A1E9155C5}"/>
+                <a16:creationId xmlns:a16="http://schemas.microsoft.com/office/drawing/2014/main" id="{FA11AA47-44BB-0C3C-C9C7-A5165A0CE8C0}"/>
               </a:ext>
             </a:extLst>
           </p:cNvPr>
@@ -2003,7 +2003,7 @@
           <a:bodyPr/>
           <a:lstStyle/>
           <a:p>
-            <a:fld id="{DDAEB6FC-C0B4-4584-B681-D3D5A2B441BF}" type="slidenum">
+            <a:fld id="{D92E46ED-9765-4926-81CB-B3F52596FB3A}" type="slidenum">
               <a:rPr lang="zh-CN" altLang="en-US" smtClean="0"/>
               <a:t>‹#›</a:t>
             </a:fld>
@@ -2014,7 +2014,7 @@
     </p:spTree>
     <p:extLst>
       <p:ext uri="{BB962C8B-B14F-4D97-AF65-F5344CB8AC3E}">
-        <p14:creationId xmlns:p14="http://schemas.microsoft.com/office/powerpoint/2010/main" val="866239891"/>
+        <p14:creationId xmlns:p14="http://schemas.microsoft.com/office/powerpoint/2010/main" val="380191670"/>
       </p:ext>
     </p:extLst>
   </p:cSld>
@@ -2046,7 +2046,7 @@
           <p:cNvPr id="2" name="日期占位符 1">
             <a:extLst>
               <a:ext uri="{FF2B5EF4-FFF2-40B4-BE49-F238E27FC236}">
-                <a16:creationId xmlns:a16="http://schemas.microsoft.com/office/drawing/2014/main" id="{7F66082A-0FCD-9F37-E151-04059D31ED05}"/>
+                <a16:creationId xmlns:a16="http://schemas.microsoft.com/office/drawing/2014/main" id="{1942EB28-CF40-C8AD-F940-69A9F3CC4516}"/>
               </a:ext>
             </a:extLst>
           </p:cNvPr>
@@ -2062,7 +2062,7 @@
           <a:bodyPr/>
           <a:lstStyle/>
           <a:p>
-            <a:fld id="{DDD390ED-550A-4CE3-BFCE-A5AD31FFE87D}" type="datetimeFigureOut">
+            <a:fld id="{93B212FD-4D66-4EBB-B703-31D735BC4371}" type="datetimeFigureOut">
               <a:rPr lang="zh-CN" altLang="en-US" smtClean="0"/>
               <a:t>2024/3/10</a:t>
             </a:fld>
@@ -2075,7 +2075,7 @@
           <p:cNvPr id="3" name="页脚占位符 2">
             <a:extLst>
               <a:ext uri="{FF2B5EF4-FFF2-40B4-BE49-F238E27FC236}">
-                <a16:creationId xmlns:a16="http://schemas.microsoft.com/office/drawing/2014/main" id="{0210973F-2B7A-C1A7-0DAA-E53A1333AA0E}"/>
+                <a16:creationId xmlns:a16="http://schemas.microsoft.com/office/drawing/2014/main" id="{BE95C8E8-3FCC-CA67-396C-E029229AF0CE}"/>
               </a:ext>
             </a:extLst>
           </p:cNvPr>
@@ -2100,7 +2100,7 @@
           <p:cNvPr id="4" name="灯片编号占位符 3">
             <a:extLst>
               <a:ext uri="{FF2B5EF4-FFF2-40B4-BE49-F238E27FC236}">
-                <a16:creationId xmlns:a16="http://schemas.microsoft.com/office/drawing/2014/main" id="{9D81C0FC-3850-EE48-05AB-2619BD631CE8}"/>
+                <a16:creationId xmlns:a16="http://schemas.microsoft.com/office/drawing/2014/main" id="{09B19944-66AA-CFA0-B0D1-1F5A25427F2B}"/>
               </a:ext>
             </a:extLst>
           </p:cNvPr>
@@ -2116,7 +2116,7 @@
           <a:bodyPr/>
           <a:lstStyle/>
           <a:p>
-            <a:fld id="{DDAEB6FC-C0B4-4584-B681-D3D5A2B441BF}" type="slidenum">
+            <a:fld id="{D92E46ED-9765-4926-81CB-B3F52596FB3A}" type="slidenum">
               <a:rPr lang="zh-CN" altLang="en-US" smtClean="0"/>
               <a:t>‹#›</a:t>
             </a:fld>
@@ -2127,7 +2127,7 @@
     </p:spTree>
     <p:extLst>
       <p:ext uri="{BB962C8B-B14F-4D97-AF65-F5344CB8AC3E}">
-        <p14:creationId xmlns:p14="http://schemas.microsoft.com/office/powerpoint/2010/main" val="3490592777"/>
+        <p14:creationId xmlns:p14="http://schemas.microsoft.com/office/powerpoint/2010/main" val="2149617990"/>
       </p:ext>
     </p:extLst>
   </p:cSld>
@@ -2159,7 +2159,7 @@
           <p:cNvPr id="2" name="标题 1">
             <a:extLst>
               <a:ext uri="{FF2B5EF4-FFF2-40B4-BE49-F238E27FC236}">
-                <a16:creationId xmlns:a16="http://schemas.microsoft.com/office/drawing/2014/main" id="{6E56DB25-976C-0B19-1164-D352534FC97C}"/>
+                <a16:creationId xmlns:a16="http://schemas.microsoft.com/office/drawing/2014/main" id="{03178D8E-32A6-756F-2E2D-EDCD12933BA8}"/>
               </a:ext>
             </a:extLst>
           </p:cNvPr>
@@ -2196,7 +2196,7 @@
           <p:cNvPr id="3" name="内容占位符 2">
             <a:extLst>
               <a:ext uri="{FF2B5EF4-FFF2-40B4-BE49-F238E27FC236}">
-                <a16:creationId xmlns:a16="http://schemas.microsoft.com/office/drawing/2014/main" id="{93047BA3-FAD6-8DCB-0DFB-81E3BC84377E}"/>
+                <a16:creationId xmlns:a16="http://schemas.microsoft.com/office/drawing/2014/main" id="{CE4C47B4-2E9D-D618-FA33-20411907C31B}"/>
               </a:ext>
             </a:extLst>
           </p:cNvPr>
@@ -2286,7 +2286,7 @@
           <p:cNvPr id="4" name="文本占位符 3">
             <a:extLst>
               <a:ext uri="{FF2B5EF4-FFF2-40B4-BE49-F238E27FC236}">
-                <a16:creationId xmlns:a16="http://schemas.microsoft.com/office/drawing/2014/main" id="{D2A5328D-C828-D74E-9EBE-397975DA435C}"/>
+                <a16:creationId xmlns:a16="http://schemas.microsoft.com/office/drawing/2014/main" id="{346F8449-7041-7CF2-E85D-6347CC5A3710}"/>
               </a:ext>
             </a:extLst>
           </p:cNvPr>
@@ -2357,7 +2357,7 @@
           <p:cNvPr id="5" name="日期占位符 4">
             <a:extLst>
               <a:ext uri="{FF2B5EF4-FFF2-40B4-BE49-F238E27FC236}">
-                <a16:creationId xmlns:a16="http://schemas.microsoft.com/office/drawing/2014/main" id="{66143A67-9F35-500F-64A1-5A2D2C527534}"/>
+                <a16:creationId xmlns:a16="http://schemas.microsoft.com/office/drawing/2014/main" id="{868BA928-2B36-82F3-7704-C2D8CECE5227}"/>
               </a:ext>
             </a:extLst>
           </p:cNvPr>
@@ -2373,7 +2373,7 @@
           <a:bodyPr/>
           <a:lstStyle/>
           <a:p>
-            <a:fld id="{DDD390ED-550A-4CE3-BFCE-A5AD31FFE87D}" type="datetimeFigureOut">
+            <a:fld id="{93B212FD-4D66-4EBB-B703-31D735BC4371}" type="datetimeFigureOut">
               <a:rPr lang="zh-CN" altLang="en-US" smtClean="0"/>
               <a:t>2024/3/10</a:t>
             </a:fld>
@@ -2386,7 +2386,7 @@
           <p:cNvPr id="6" name="页脚占位符 5">
             <a:extLst>
               <a:ext uri="{FF2B5EF4-FFF2-40B4-BE49-F238E27FC236}">
-                <a16:creationId xmlns:a16="http://schemas.microsoft.com/office/drawing/2014/main" id="{0840E978-5EF6-84E8-C983-CC58927B6E4C}"/>
+                <a16:creationId xmlns:a16="http://schemas.microsoft.com/office/drawing/2014/main" id="{853972C2-DF9A-C5D1-9959-DE848E500C6C}"/>
               </a:ext>
             </a:extLst>
           </p:cNvPr>
@@ -2411,7 +2411,7 @@
           <p:cNvPr id="7" name="灯片编号占位符 6">
             <a:extLst>
               <a:ext uri="{FF2B5EF4-FFF2-40B4-BE49-F238E27FC236}">
-                <a16:creationId xmlns:a16="http://schemas.microsoft.com/office/drawing/2014/main" id="{889C5EA5-8640-652F-25EC-CEFD89B6BE05}"/>
+                <a16:creationId xmlns:a16="http://schemas.microsoft.com/office/drawing/2014/main" id="{962224D4-D2B3-7A18-8BCE-4B8A6691F040}"/>
               </a:ext>
             </a:extLst>
           </p:cNvPr>
@@ -2427,7 +2427,7 @@
           <a:bodyPr/>
           <a:lstStyle/>
           <a:p>
-            <a:fld id="{DDAEB6FC-C0B4-4584-B681-D3D5A2B441BF}" type="slidenum">
+            <a:fld id="{D92E46ED-9765-4926-81CB-B3F52596FB3A}" type="slidenum">
               <a:rPr lang="zh-CN" altLang="en-US" smtClean="0"/>
               <a:t>‹#›</a:t>
             </a:fld>
@@ -2438,7 +2438,7 @@
     </p:spTree>
     <p:extLst>
       <p:ext uri="{BB962C8B-B14F-4D97-AF65-F5344CB8AC3E}">
-        <p14:creationId xmlns:p14="http://schemas.microsoft.com/office/powerpoint/2010/main" val="3521742531"/>
+        <p14:creationId xmlns:p14="http://schemas.microsoft.com/office/powerpoint/2010/main" val="2449358546"/>
       </p:ext>
     </p:extLst>
   </p:cSld>
@@ -2470,7 +2470,7 @@
           <p:cNvPr id="2" name="标题 1">
             <a:extLst>
               <a:ext uri="{FF2B5EF4-FFF2-40B4-BE49-F238E27FC236}">
-                <a16:creationId xmlns:a16="http://schemas.microsoft.com/office/drawing/2014/main" id="{72FF9BB1-B0D5-16E0-CA9B-7AF37E91F201}"/>
+                <a16:creationId xmlns:a16="http://schemas.microsoft.com/office/drawing/2014/main" id="{3833C5BF-BD3E-1FCE-A343-741676976C83}"/>
               </a:ext>
             </a:extLst>
           </p:cNvPr>
@@ -2507,7 +2507,7 @@
           <p:cNvPr id="3" name="图片占位符 2">
             <a:extLst>
               <a:ext uri="{FF2B5EF4-FFF2-40B4-BE49-F238E27FC236}">
-                <a16:creationId xmlns:a16="http://schemas.microsoft.com/office/drawing/2014/main" id="{B83B4B29-99F2-ACE1-0692-E69F5E46F2D2}"/>
+                <a16:creationId xmlns:a16="http://schemas.microsoft.com/office/drawing/2014/main" id="{F95EA9E2-BA81-D49C-E85B-D598FE03D435}"/>
               </a:ext>
             </a:extLst>
           </p:cNvPr>
@@ -2574,7 +2574,7 @@
           <p:cNvPr id="4" name="文本占位符 3">
             <a:extLst>
               <a:ext uri="{FF2B5EF4-FFF2-40B4-BE49-F238E27FC236}">
-                <a16:creationId xmlns:a16="http://schemas.microsoft.com/office/drawing/2014/main" id="{4D1532DA-EBFB-B1E5-5A29-64CD3A79135C}"/>
+                <a16:creationId xmlns:a16="http://schemas.microsoft.com/office/drawing/2014/main" id="{3B48A68C-0825-9DE9-6F21-949884870AB7}"/>
               </a:ext>
             </a:extLst>
           </p:cNvPr>
@@ -2645,7 +2645,7 @@
           <p:cNvPr id="5" name="日期占位符 4">
             <a:extLst>
               <a:ext uri="{FF2B5EF4-FFF2-40B4-BE49-F238E27FC236}">
-                <a16:creationId xmlns:a16="http://schemas.microsoft.com/office/drawing/2014/main" id="{F22590D6-F426-1E25-AD13-6902ECA8587F}"/>
+                <a16:creationId xmlns:a16="http://schemas.microsoft.com/office/drawing/2014/main" id="{8CF18689-ADE9-5C24-DE98-AB4ED5369AF1}"/>
               </a:ext>
             </a:extLst>
           </p:cNvPr>
@@ -2661,7 +2661,7 @@
           <a:bodyPr/>
           <a:lstStyle/>
           <a:p>
-            <a:fld id="{DDD390ED-550A-4CE3-BFCE-A5AD31FFE87D}" type="datetimeFigureOut">
+            <a:fld id="{93B212FD-4D66-4EBB-B703-31D735BC4371}" type="datetimeFigureOut">
               <a:rPr lang="zh-CN" altLang="en-US" smtClean="0"/>
               <a:t>2024/3/10</a:t>
             </a:fld>
@@ -2674,7 +2674,7 @@
           <p:cNvPr id="6" name="页脚占位符 5">
             <a:extLst>
               <a:ext uri="{FF2B5EF4-FFF2-40B4-BE49-F238E27FC236}">
-                <a16:creationId xmlns:a16="http://schemas.microsoft.com/office/drawing/2014/main" id="{744BE0F0-9E5A-1CE6-8C17-F6827AFA531C}"/>
+                <a16:creationId xmlns:a16="http://schemas.microsoft.com/office/drawing/2014/main" id="{A24B64B2-3582-13FE-3952-13FEBF2FD308}"/>
               </a:ext>
             </a:extLst>
           </p:cNvPr>
@@ -2699,7 +2699,7 @@
           <p:cNvPr id="7" name="灯片编号占位符 6">
             <a:extLst>
               <a:ext uri="{FF2B5EF4-FFF2-40B4-BE49-F238E27FC236}">
-                <a16:creationId xmlns:a16="http://schemas.microsoft.com/office/drawing/2014/main" id="{A7D515E9-C46F-2DD9-3880-DB21B998B140}"/>
+                <a16:creationId xmlns:a16="http://schemas.microsoft.com/office/drawing/2014/main" id="{8AB313B8-98A0-3814-99E6-15D5436943F3}"/>
               </a:ext>
             </a:extLst>
           </p:cNvPr>
@@ -2715,7 +2715,7 @@
           <a:bodyPr/>
           <a:lstStyle/>
           <a:p>
-            <a:fld id="{DDAEB6FC-C0B4-4584-B681-D3D5A2B441BF}" type="slidenum">
+            <a:fld id="{D92E46ED-9765-4926-81CB-B3F52596FB3A}" type="slidenum">
               <a:rPr lang="zh-CN" altLang="en-US" smtClean="0"/>
               <a:t>‹#›</a:t>
             </a:fld>
@@ -2726,7 +2726,7 @@
     </p:spTree>
     <p:extLst>
       <p:ext uri="{BB962C8B-B14F-4D97-AF65-F5344CB8AC3E}">
-        <p14:creationId xmlns:p14="http://schemas.microsoft.com/office/powerpoint/2010/main" val="315549378"/>
+        <p14:creationId xmlns:p14="http://schemas.microsoft.com/office/powerpoint/2010/main" val="2942138815"/>
       </p:ext>
     </p:extLst>
   </p:cSld>
@@ -2763,7 +2763,7 @@
           <p:cNvPr id="2" name="标题占位符 1">
             <a:extLst>
               <a:ext uri="{FF2B5EF4-FFF2-40B4-BE49-F238E27FC236}">
-                <a16:creationId xmlns:a16="http://schemas.microsoft.com/office/drawing/2014/main" id="{21A709BA-DF05-8B0D-743F-BDC371F70DAD}"/>
+                <a16:creationId xmlns:a16="http://schemas.microsoft.com/office/drawing/2014/main" id="{74BFBE66-30EA-B068-9C69-D902C0D06E63}"/>
               </a:ext>
             </a:extLst>
           </p:cNvPr>
@@ -2801,7 +2801,7 @@
           <p:cNvPr id="3" name="文本占位符 2">
             <a:extLst>
               <a:ext uri="{FF2B5EF4-FFF2-40B4-BE49-F238E27FC236}">
-                <a16:creationId xmlns:a16="http://schemas.microsoft.com/office/drawing/2014/main" id="{7C2F0252-3A9F-E54E-85D8-04B8DC258D53}"/>
+                <a16:creationId xmlns:a16="http://schemas.microsoft.com/office/drawing/2014/main" id="{17645F5D-E91A-528A-0100-5EA50006659E}"/>
               </a:ext>
             </a:extLst>
           </p:cNvPr>
@@ -2868,7 +2868,7 @@
           <p:cNvPr id="4" name="日期占位符 3">
             <a:extLst>
               <a:ext uri="{FF2B5EF4-FFF2-40B4-BE49-F238E27FC236}">
-                <a16:creationId xmlns:a16="http://schemas.microsoft.com/office/drawing/2014/main" id="{6143D003-C4D4-7683-6CCB-876EB34E69A3}"/>
+                <a16:creationId xmlns:a16="http://schemas.microsoft.com/office/drawing/2014/main" id="{BB936786-A782-06FA-E960-823B960F5DFD}"/>
               </a:ext>
             </a:extLst>
           </p:cNvPr>
@@ -2902,7 +2902,7 @@
             </a:lvl1pPr>
           </a:lstStyle>
           <a:p>
-            <a:fld id="{DDD390ED-550A-4CE3-BFCE-A5AD31FFE87D}" type="datetimeFigureOut">
+            <a:fld id="{93B212FD-4D66-4EBB-B703-31D735BC4371}" type="datetimeFigureOut">
               <a:rPr lang="zh-CN" altLang="en-US" smtClean="0"/>
               <a:t>2024/3/10</a:t>
             </a:fld>
@@ -2915,7 +2915,7 @@
           <p:cNvPr id="5" name="页脚占位符 4">
             <a:extLst>
               <a:ext uri="{FF2B5EF4-FFF2-40B4-BE49-F238E27FC236}">
-                <a16:creationId xmlns:a16="http://schemas.microsoft.com/office/drawing/2014/main" id="{BB8D3AA9-4A22-5400-D618-21064B19A36B}"/>
+                <a16:creationId xmlns:a16="http://schemas.microsoft.com/office/drawing/2014/main" id="{B9D90375-0231-EACD-9ED6-AB720704302E}"/>
               </a:ext>
             </a:extLst>
           </p:cNvPr>
@@ -2958,7 +2958,7 @@
           <p:cNvPr id="6" name="灯片编号占位符 5">
             <a:extLst>
               <a:ext uri="{FF2B5EF4-FFF2-40B4-BE49-F238E27FC236}">
-                <a16:creationId xmlns:a16="http://schemas.microsoft.com/office/drawing/2014/main" id="{D31F1F99-ECC5-B286-BC14-886D11308BD1}"/>
+                <a16:creationId xmlns:a16="http://schemas.microsoft.com/office/drawing/2014/main" id="{20ADBC28-3912-9207-831A-CB47C7CD4F6F}"/>
               </a:ext>
             </a:extLst>
           </p:cNvPr>
@@ -2992,7 +2992,7 @@
             </a:lvl1pPr>
           </a:lstStyle>
           <a:p>
-            <a:fld id="{DDAEB6FC-C0B4-4584-B681-D3D5A2B441BF}" type="slidenum">
+            <a:fld id="{D92E46ED-9765-4926-81CB-B3F52596FB3A}" type="slidenum">
               <a:rPr lang="zh-CN" altLang="en-US" smtClean="0"/>
               <a:t>‹#›</a:t>
             </a:fld>
@@ -3003,7 +3003,7 @@
     </p:spTree>
     <p:extLst>
       <p:ext uri="{BB962C8B-B14F-4D97-AF65-F5344CB8AC3E}">
-        <p14:creationId xmlns:p14="http://schemas.microsoft.com/office/powerpoint/2010/main" val="2191642317"/>
+        <p14:creationId xmlns:p14="http://schemas.microsoft.com/office/powerpoint/2010/main" val="2572670151"/>
       </p:ext>
     </p:extLst>
   </p:cSld>
